--- a/lectures/E05-Over the Hills and Far Away/E05 - Over the Hills and Far Away.pptx
+++ b/lectures/E05-Over the Hills and Far Away/E05 - Over the Hills and Far Away.pptx
@@ -27,22 +27,6 @@
   </p:sldIdLst>
   <p:sldSz cx="9144000" cy="5715000" type="screen16x10"/>
   <p:notesSz cx="7099300" cy="10234613"/>
-  <p:embeddedFontLst>
-    <p:embeddedFont>
-      <p:font typeface="Minya Nouvelle" charset="0"/>
-      <p:regular r:id="rId17"/>
-      <p:bold r:id="rId18"/>
-      <p:italic r:id="rId19"/>
-      <p:boldItalic r:id="rId20"/>
-    </p:embeddedFont>
-    <p:embeddedFont>
-      <p:font typeface="Calibri" pitchFamily="34" charset="0"/>
-      <p:regular r:id="rId21"/>
-      <p:bold r:id="rId22"/>
-      <p:italic r:id="rId23"/>
-      <p:boldItalic r:id="rId24"/>
-    </p:embeddedFont>
-  </p:embeddedFontLst>
   <p:defaultTextStyle>
     <a:defPPr>
       <a:defRPr lang="sv-SE"/>
@@ -224,7 +208,7 @@
             <a:fld id="{D591C14E-198E-48A7-ABEC-7FB80E868E55}" type="datetimeFigureOut">
               <a:rPr lang="sv-SE" smtClean="0"/>
               <a:pPr/>
-              <a:t>2012-11-20</a:t>
+              <a:t>2013-11-19</a:t>
             </a:fld>
             <a:endParaRPr lang="sv-SE"/>
           </a:p>
@@ -391,7 +375,7 @@
             <a:fld id="{188BB863-C913-48B5-BD1A-638D82A0C76B}" type="datetimeFigureOut">
               <a:rPr lang="sv-SE" smtClean="0"/>
               <a:pPr/>
-              <a:t>2012-11-20</a:t>
+              <a:t>2013-11-19</a:t>
             </a:fld>
             <a:endParaRPr lang="sv-SE"/>
           </a:p>
@@ -1314,7 +1298,7 @@
   <p:timing>
     <p:tnLst>
       <p:par>
-        <p:cTn id="1" dur="indefinite" restart="never" nodeType="tmRoot"/>
+        <p:cTn xmlns:p14="http://schemas.microsoft.com/office/powerpoint/2010/main" id="1" dur="indefinite" restart="never" nodeType="tmRoot"/>
       </p:par>
     </p:tnLst>
   </p:timing>
@@ -1539,7 +1523,7 @@
   <p:timing>
     <p:tnLst>
       <p:par>
-        <p:cTn id="1" dur="indefinite" restart="never" nodeType="tmRoot"/>
+        <p:cTn xmlns:p14="http://schemas.microsoft.com/office/powerpoint/2010/main" id="1" dur="indefinite" restart="never" nodeType="tmRoot"/>
       </p:par>
     </p:tnLst>
   </p:timing>
@@ -7587,7 +7571,7 @@
         <p:spPr>
           <a:xfrm>
             <a:off x="395536" y="1201316"/>
-            <a:ext cx="3945311" cy="954107"/>
+            <a:ext cx="3996131" cy="954107"/>
           </a:xfrm>
           <a:prstGeom prst="rect">
             <a:avLst/>
@@ -7622,7 +7606,7 @@
               <a:rPr lang="sv-SE" sz="2800" b="1" dirty="0" smtClean="0">
                 <a:latin typeface="Minya Nouvelle" pitchFamily="2" charset="0"/>
               </a:rPr>
-              <a:t>HT2012</a:t>
+              <a:t>HT2013</a:t>
             </a:r>
             <a:endParaRPr lang="sv-SE" sz="2800" b="1" dirty="0" smtClean="0">
               <a:latin typeface="Minya Nouvelle" pitchFamily="2" charset="0"/>
@@ -7722,7 +7706,7 @@
           </a:prstGeom>
           <a:noFill/>
           <a:extLst>
-            <a:ext uri="{909E8E84-426E-40DD-AFC4-6F175D3DCCD1}">
+            <a:ext uri="{909E8E84-426E-40dd-AFC4-6F175D3DCCD1}">
               <a14:hiddenFill xmlns:a14="http://schemas.microsoft.com/office/drawing/2010/main">
                 <a:solidFill>
                   <a:srgbClr val="FFFFFF"/>
@@ -7777,7 +7761,7 @@
   <p:timing>
     <p:tnLst>
       <p:par>
-        <p:cTn id="1" dur="indefinite" restart="never" nodeType="tmRoot"/>
+        <p:cTn xmlns:p14="http://schemas.microsoft.com/office/powerpoint/2010/main" id="1" dur="indefinite" restart="never" nodeType="tmRoot"/>
       </p:par>
     </p:tnLst>
   </p:timing>
@@ -8239,7 +8223,7 @@
             </a:prstGeom>
             <a:noFill/>
             <a:extLst>
-              <a:ext uri="{909E8E84-426E-40DD-AFC4-6F175D3DCCD1}">
+              <a:ext uri="{909E8E84-426E-40dd-AFC4-6F175D3DCCD1}">
                 <a14:hiddenFill xmlns:a14="http://schemas.microsoft.com/office/drawing/2010/main">
                   <a:solidFill>
                     <a:srgbClr val="FFFFFF"/>
@@ -8280,7 +8264,7 @@
             </a:prstGeom>
             <a:noFill/>
             <a:extLst>
-              <a:ext uri="{909E8E84-426E-40DD-AFC4-6F175D3DCCD1}">
+              <a:ext uri="{909E8E84-426E-40dd-AFC4-6F175D3DCCD1}">
                 <a14:hiddenFill xmlns:a14="http://schemas.microsoft.com/office/drawing/2010/main">
                   <a:solidFill>
                     <a:srgbClr val="FFFFFF"/>
@@ -8321,7 +8305,7 @@
             </a:prstGeom>
             <a:noFill/>
             <a:extLst>
-              <a:ext uri="{909E8E84-426E-40DD-AFC4-6F175D3DCCD1}">
+              <a:ext uri="{909E8E84-426E-40dd-AFC4-6F175D3DCCD1}">
                 <a14:hiddenFill xmlns:a14="http://schemas.microsoft.com/office/drawing/2010/main">
                   <a:solidFill>
                     <a:srgbClr val="FFFFFF"/>
@@ -8363,7 +8347,7 @@
           </a:prstGeom>
           <a:noFill/>
           <a:extLst>
-            <a:ext uri="{909E8E84-426E-40DD-AFC4-6F175D3DCCD1}">
+            <a:ext uri="{909E8E84-426E-40dd-AFC4-6F175D3DCCD1}">
               <a14:hiddenFill xmlns:a14="http://schemas.microsoft.com/office/drawing/2010/main">
                 <a:solidFill>
                   <a:srgbClr val="FFFFFF"/>
@@ -8386,7 +8370,7 @@
   <p:timing>
     <p:tnLst>
       <p:par>
-        <p:cTn id="1" dur="indefinite" restart="never" nodeType="tmRoot">
+        <p:cTn xmlns:p14="http://schemas.microsoft.com/office/powerpoint/2010/main" id="1" dur="indefinite" restart="never" nodeType="tmRoot">
           <p:childTnLst>
             <p:seq concurrent="1" nextAc="seek">
               <p:cTn id="2" dur="indefinite" nodeType="mainSeq">
@@ -8874,7 +8858,7 @@
           </a:prstGeom>
           <a:noFill/>
           <a:extLst>
-            <a:ext uri="{909E8E84-426E-40DD-AFC4-6F175D3DCCD1}">
+            <a:ext uri="{909E8E84-426E-40dd-AFC4-6F175D3DCCD1}">
               <a14:hiddenFill xmlns:a14="http://schemas.microsoft.com/office/drawing/2010/main">
                 <a:solidFill>
                   <a:srgbClr val="FFFFFF"/>
@@ -8915,7 +8899,7 @@
           </a:prstGeom>
           <a:noFill/>
           <a:extLst>
-            <a:ext uri="{909E8E84-426E-40DD-AFC4-6F175D3DCCD1}">
+            <a:ext uri="{909E8E84-426E-40dd-AFC4-6F175D3DCCD1}">
               <a14:hiddenFill xmlns:a14="http://schemas.microsoft.com/office/drawing/2010/main">
                 <a:solidFill>
                   <a:srgbClr val="FFFFFF"/>
@@ -8956,7 +8940,7 @@
           </a:prstGeom>
           <a:noFill/>
           <a:extLst>
-            <a:ext uri="{909E8E84-426E-40DD-AFC4-6F175D3DCCD1}">
+            <a:ext uri="{909E8E84-426E-40dd-AFC4-6F175D3DCCD1}">
               <a14:hiddenFill xmlns:a14="http://schemas.microsoft.com/office/drawing/2010/main">
                 <a:solidFill>
                   <a:srgbClr val="FFFFFF"/>
@@ -8997,7 +8981,7 @@
           </a:prstGeom>
           <a:noFill/>
           <a:extLst>
-            <a:ext uri="{909E8E84-426E-40DD-AFC4-6F175D3DCCD1}">
+            <a:ext uri="{909E8E84-426E-40dd-AFC4-6F175D3DCCD1}">
               <a14:hiddenFill xmlns:a14="http://schemas.microsoft.com/office/drawing/2010/main">
                 <a:solidFill>
                   <a:srgbClr val="FFFFFF"/>
@@ -9153,7 +9137,7 @@
   <p:timing>
     <p:tnLst>
       <p:par>
-        <p:cTn id="1" dur="indefinite" restart="never" nodeType="tmRoot">
+        <p:cTn xmlns:p14="http://schemas.microsoft.com/office/powerpoint/2010/main" id="1" dur="indefinite" restart="never" nodeType="tmRoot">
           <p:childTnLst>
             <p:seq concurrent="1" nextAc="seek">
               <p:cTn id="2" dur="indefinite" nodeType="mainSeq">
@@ -9421,7 +9405,7 @@
           </a:prstGeom>
           <a:noFill/>
           <a:extLst>
-            <a:ext uri="{909E8E84-426E-40DD-AFC4-6F175D3DCCD1}">
+            <a:ext uri="{909E8E84-426E-40dd-AFC4-6F175D3DCCD1}">
               <a14:hiddenFill xmlns:a14="http://schemas.microsoft.com/office/drawing/2010/main">
                 <a:solidFill>
                   <a:srgbClr val="FFFFFF"/>
@@ -9462,7 +9446,7 @@
           </a:prstGeom>
           <a:noFill/>
           <a:extLst>
-            <a:ext uri="{909E8E84-426E-40DD-AFC4-6F175D3DCCD1}">
+            <a:ext uri="{909E8E84-426E-40dd-AFC4-6F175D3DCCD1}">
               <a14:hiddenFill xmlns:a14="http://schemas.microsoft.com/office/drawing/2010/main">
                 <a:solidFill>
                   <a:srgbClr val="FFFFFF"/>
@@ -9503,7 +9487,7 @@
           </a:prstGeom>
           <a:noFill/>
           <a:extLst>
-            <a:ext uri="{909E8E84-426E-40DD-AFC4-6F175D3DCCD1}">
+            <a:ext uri="{909E8E84-426E-40dd-AFC4-6F175D3DCCD1}">
               <a14:hiddenFill xmlns:a14="http://schemas.microsoft.com/office/drawing/2010/main">
                 <a:solidFill>
                   <a:srgbClr val="FFFFFF"/>
@@ -9526,7 +9510,7 @@
   <p:timing>
     <p:tnLst>
       <p:par>
-        <p:cTn id="1" dur="indefinite" restart="never" nodeType="tmRoot"/>
+        <p:cTn xmlns:p14="http://schemas.microsoft.com/office/powerpoint/2010/main" id="1" dur="indefinite" restart="never" nodeType="tmRoot"/>
       </p:par>
     </p:tnLst>
   </p:timing>
@@ -9616,7 +9600,7 @@
           </a:prstGeom>
           <a:noFill/>
           <a:extLst>
-            <a:ext uri="{909E8E84-426E-40DD-AFC4-6F175D3DCCD1}">
+            <a:ext uri="{909E8E84-426E-40dd-AFC4-6F175D3DCCD1}">
               <a14:hiddenFill xmlns:a14="http://schemas.microsoft.com/office/drawing/2010/main">
                 <a:solidFill>
                   <a:srgbClr val="FFFFFF"/>
@@ -9676,7 +9660,7 @@
   <p:timing>
     <p:tnLst>
       <p:par>
-        <p:cTn id="1" dur="indefinite" restart="never" nodeType="tmRoot"/>
+        <p:cTn xmlns:p14="http://schemas.microsoft.com/office/powerpoint/2010/main" id="1" dur="indefinite" restart="never" nodeType="tmRoot"/>
       </p:par>
     </p:tnLst>
   </p:timing>
@@ -9909,7 +9893,7 @@
           </a:prstGeom>
           <a:noFill/>
           <a:extLst>
-            <a:ext uri="{909E8E84-426E-40DD-AFC4-6F175D3DCCD1}">
+            <a:ext uri="{909E8E84-426E-40dd-AFC4-6F175D3DCCD1}">
               <a14:hiddenFill xmlns:a14="http://schemas.microsoft.com/office/drawing/2010/main">
                 <a:solidFill>
                   <a:srgbClr val="FFFFFF"/>
@@ -9927,7 +9911,7 @@
   <p:timing>
     <p:tnLst>
       <p:par>
-        <p:cTn id="1" dur="indefinite" restart="never" nodeType="tmRoot"/>
+        <p:cTn xmlns:p14="http://schemas.microsoft.com/office/powerpoint/2010/main" id="1" dur="indefinite" restart="never" nodeType="tmRoot"/>
       </p:par>
     </p:tnLst>
   </p:timing>
@@ -10005,7 +9989,7 @@
           </a:prstGeom>
           <a:noFill/>
           <a:extLst>
-            <a:ext uri="{909E8E84-426E-40DD-AFC4-6F175D3DCCD1}">
+            <a:ext uri="{909E8E84-426E-40dd-AFC4-6F175D3DCCD1}">
               <a14:hiddenFill xmlns:a14="http://schemas.microsoft.com/office/drawing/2010/main">
                 <a:solidFill>
                   <a:srgbClr val="FFFFFF"/>
@@ -10176,7 +10160,7 @@
           </a:prstGeom>
           <a:noFill/>
           <a:extLst>
-            <a:ext uri="{909E8E84-426E-40DD-AFC4-6F175D3DCCD1}">
+            <a:ext uri="{909E8E84-426E-40dd-AFC4-6F175D3DCCD1}">
               <a14:hiddenFill xmlns:a14="http://schemas.microsoft.com/office/drawing/2010/main">
                 <a:solidFill>
                   <a:srgbClr val="FFFFFF"/>
@@ -10230,7 +10214,7 @@
   <p:timing>
     <p:tnLst>
       <p:par>
-        <p:cTn id="1" dur="indefinite" restart="never" nodeType="tmRoot"/>
+        <p:cTn xmlns:p14="http://schemas.microsoft.com/office/powerpoint/2010/main" id="1" dur="indefinite" restart="never" nodeType="tmRoot"/>
       </p:par>
     </p:tnLst>
   </p:timing>
@@ -11062,7 +11046,7 @@
           </a:prstGeom>
           <a:noFill/>
           <a:extLst>
-            <a:ext uri="{909E8E84-426E-40DD-AFC4-6F175D3DCCD1}">
+            <a:ext uri="{909E8E84-426E-40dd-AFC4-6F175D3DCCD1}">
               <a14:hiddenFill xmlns:a14="http://schemas.microsoft.com/office/drawing/2010/main">
                 <a:solidFill>
                   <a:srgbClr val="FFFFFF"/>
@@ -11085,7 +11069,7 @@
   <p:timing>
     <p:tnLst>
       <p:par>
-        <p:cTn id="1" dur="indefinite" restart="never" nodeType="tmRoot">
+        <p:cTn xmlns:p14="http://schemas.microsoft.com/office/powerpoint/2010/main" id="1" dur="indefinite" restart="never" nodeType="tmRoot">
           <p:childTnLst>
             <p:seq concurrent="1" nextAc="seek">
               <p:cTn id="2" dur="indefinite" nodeType="mainSeq">
@@ -11927,7 +11911,7 @@
           </a:prstGeom>
           <a:noFill/>
           <a:extLst>
-            <a:ext uri="{909E8E84-426E-40DD-AFC4-6F175D3DCCD1}">
+            <a:ext uri="{909E8E84-426E-40dd-AFC4-6F175D3DCCD1}">
               <a14:hiddenFill xmlns:a14="http://schemas.microsoft.com/office/drawing/2010/main">
                 <a:solidFill>
                   <a:srgbClr val="FFFFFF"/>
@@ -11950,7 +11934,7 @@
   <p:timing>
     <p:tnLst>
       <p:par>
-        <p:cTn id="1" dur="indefinite" restart="never" nodeType="tmRoot"/>
+        <p:cTn xmlns:p14="http://schemas.microsoft.com/office/powerpoint/2010/main" id="1" dur="indefinite" restart="never" nodeType="tmRoot"/>
       </p:par>
     </p:tnLst>
   </p:timing>
@@ -12419,7 +12403,7 @@
           </a:prstGeom>
           <a:noFill/>
           <a:extLst>
-            <a:ext uri="{909E8E84-426E-40DD-AFC4-6F175D3DCCD1}">
+            <a:ext uri="{909E8E84-426E-40dd-AFC4-6F175D3DCCD1}">
               <a14:hiddenFill xmlns:a14="http://schemas.microsoft.com/office/drawing/2010/main">
                 <a:solidFill>
                   <a:srgbClr val="FFFFFF"/>
@@ -12442,7 +12426,7 @@
   <p:timing>
     <p:tnLst>
       <p:par>
-        <p:cTn id="1" dur="indefinite" restart="never" nodeType="tmRoot"/>
+        <p:cTn xmlns:p14="http://schemas.microsoft.com/office/powerpoint/2010/main" id="1" dur="indefinite" restart="never" nodeType="tmRoot"/>
       </p:par>
     </p:tnLst>
   </p:timing>
@@ -12520,7 +12504,7 @@
           </a:prstGeom>
           <a:noFill/>
           <a:extLst>
-            <a:ext uri="{909E8E84-426E-40DD-AFC4-6F175D3DCCD1}">
+            <a:ext uri="{909E8E84-426E-40dd-AFC4-6F175D3DCCD1}">
               <a14:hiddenFill xmlns:a14="http://schemas.microsoft.com/office/drawing/2010/main">
                 <a:solidFill>
                   <a:srgbClr val="FFFFFF"/>
@@ -12894,7 +12878,7 @@
   <p:timing>
     <p:tnLst>
       <p:par>
-        <p:cTn id="1" dur="indefinite" restart="never" nodeType="tmRoot"/>
+        <p:cTn xmlns:p14="http://schemas.microsoft.com/office/powerpoint/2010/main" id="1" dur="indefinite" restart="never" nodeType="tmRoot"/>
       </p:par>
     </p:tnLst>
   </p:timing>
@@ -13351,7 +13335,7 @@
           </a:prstGeom>
           <a:noFill/>
           <a:extLst>
-            <a:ext uri="{909E8E84-426E-40DD-AFC4-6F175D3DCCD1}">
+            <a:ext uri="{909E8E84-426E-40dd-AFC4-6F175D3DCCD1}">
               <a14:hiddenFill xmlns:a14="http://schemas.microsoft.com/office/drawing/2010/main">
                 <a:solidFill>
                   <a:srgbClr val="FFFFFF"/>
@@ -13558,7 +13542,7 @@
   <p:timing>
     <p:tnLst>
       <p:par>
-        <p:cTn id="1" dur="indefinite" restart="never" nodeType="tmRoot"/>
+        <p:cTn xmlns:p14="http://schemas.microsoft.com/office/powerpoint/2010/main" id="1" dur="indefinite" restart="never" nodeType="tmRoot"/>
       </p:par>
     </p:tnLst>
   </p:timing>
@@ -14131,7 +14115,7 @@
           </a:prstGeom>
           <a:noFill/>
           <a:extLst>
-            <a:ext uri="{909E8E84-426E-40DD-AFC4-6F175D3DCCD1}">
+            <a:ext uri="{909E8E84-426E-40dd-AFC4-6F175D3DCCD1}">
               <a14:hiddenFill xmlns:a14="http://schemas.microsoft.com/office/drawing/2010/main">
                 <a:solidFill>
                   <a:srgbClr val="FFFFFF"/>
@@ -14154,7 +14138,7 @@
   <p:timing>
     <p:tnLst>
       <p:par>
-        <p:cTn id="1" dur="indefinite" restart="never" nodeType="tmRoot"/>
+        <p:cTn xmlns:p14="http://schemas.microsoft.com/office/powerpoint/2010/main" id="1" dur="indefinite" restart="never" nodeType="tmRoot"/>
       </p:par>
     </p:tnLst>
   </p:timing>
